--- a/src/videos/step_output.pptx
+++ b/src/videos/step_output.pptx
@@ -304,7 +304,7 @@
           <a:p>
             <a:fld id="{0E7CC0F2-DA42-B046-B261-A309B05013EA}" type="datetimeFigureOut">
               <a:rPr lang="en-US" smtClean="0"/>
-              <a:t>11/17/17</a:t>
+              <a:t>12/11/17</a:t>
             </a:fld>
             <a:endParaRPr lang="en-US"/>
           </a:p>
@@ -474,7 +474,7 @@
           <a:p>
             <a:fld id="{0E7CC0F2-DA42-B046-B261-A309B05013EA}" type="datetimeFigureOut">
               <a:rPr lang="en-US" smtClean="0"/>
-              <a:t>11/17/17</a:t>
+              <a:t>12/11/17</a:t>
             </a:fld>
             <a:endParaRPr lang="en-US"/>
           </a:p>
@@ -654,7 +654,7 @@
           <a:p>
             <a:fld id="{0E7CC0F2-DA42-B046-B261-A309B05013EA}" type="datetimeFigureOut">
               <a:rPr lang="en-US" smtClean="0"/>
-              <a:t>11/17/17</a:t>
+              <a:t>12/11/17</a:t>
             </a:fld>
             <a:endParaRPr lang="en-US"/>
           </a:p>
@@ -824,7 +824,7 @@
           <a:p>
             <a:fld id="{0E7CC0F2-DA42-B046-B261-A309B05013EA}" type="datetimeFigureOut">
               <a:rPr lang="en-US" smtClean="0"/>
-              <a:t>11/17/17</a:t>
+              <a:t>12/11/17</a:t>
             </a:fld>
             <a:endParaRPr lang="en-US"/>
           </a:p>
@@ -1070,7 +1070,7 @@
           <a:p>
             <a:fld id="{0E7CC0F2-DA42-B046-B261-A309B05013EA}" type="datetimeFigureOut">
               <a:rPr lang="en-US" smtClean="0"/>
-              <a:t>11/17/17</a:t>
+              <a:t>12/11/17</a:t>
             </a:fld>
             <a:endParaRPr lang="en-US"/>
           </a:p>
@@ -1358,7 +1358,7 @@
           <a:p>
             <a:fld id="{0E7CC0F2-DA42-B046-B261-A309B05013EA}" type="datetimeFigureOut">
               <a:rPr lang="en-US" smtClean="0"/>
-              <a:t>11/17/17</a:t>
+              <a:t>12/11/17</a:t>
             </a:fld>
             <a:endParaRPr lang="en-US"/>
           </a:p>
@@ -1785,7 +1785,7 @@
           <a:p>
             <a:fld id="{0E7CC0F2-DA42-B046-B261-A309B05013EA}" type="datetimeFigureOut">
               <a:rPr lang="en-US" smtClean="0"/>
-              <a:t>11/17/17</a:t>
+              <a:t>12/11/17</a:t>
             </a:fld>
             <a:endParaRPr lang="en-US"/>
           </a:p>
@@ -1903,7 +1903,7 @@
           <a:p>
             <a:fld id="{0E7CC0F2-DA42-B046-B261-A309B05013EA}" type="datetimeFigureOut">
               <a:rPr lang="en-US" smtClean="0"/>
-              <a:t>11/17/17</a:t>
+              <a:t>12/11/17</a:t>
             </a:fld>
             <a:endParaRPr lang="en-US"/>
           </a:p>
@@ -1998,7 +1998,7 @@
           <a:p>
             <a:fld id="{0E7CC0F2-DA42-B046-B261-A309B05013EA}" type="datetimeFigureOut">
               <a:rPr lang="en-US" smtClean="0"/>
-              <a:t>11/17/17</a:t>
+              <a:t>12/11/17</a:t>
             </a:fld>
             <a:endParaRPr lang="en-US"/>
           </a:p>
@@ -2275,7 +2275,7 @@
           <a:p>
             <a:fld id="{0E7CC0F2-DA42-B046-B261-A309B05013EA}" type="datetimeFigureOut">
               <a:rPr lang="en-US" smtClean="0"/>
-              <a:t>11/17/17</a:t>
+              <a:t>12/11/17</a:t>
             </a:fld>
             <a:endParaRPr lang="en-US"/>
           </a:p>
@@ -2528,7 +2528,7 @@
           <a:p>
             <a:fld id="{0E7CC0F2-DA42-B046-B261-A309B05013EA}" type="datetimeFigureOut">
               <a:rPr lang="en-US" smtClean="0"/>
-              <a:t>11/17/17</a:t>
+              <a:t>12/11/17</a:t>
             </a:fld>
             <a:endParaRPr lang="en-US"/>
           </a:p>
@@ -2741,7 +2741,7 @@
           <a:p>
             <a:fld id="{0E7CC0F2-DA42-B046-B261-A309B05013EA}" type="datetimeFigureOut">
               <a:rPr lang="en-US" smtClean="0"/>
-              <a:t>11/17/17</a:t>
+              <a:t>12/11/17</a:t>
             </a:fld>
             <a:endParaRPr lang="en-US"/>
           </a:p>
@@ -3432,7 +3432,7 @@
               </a:spcBef>
             </a:pPr>
             <a:r>
-              <a:rPr lang="en-US" sz="4800" dirty="0" smtClean="0">
+              <a:rPr lang="en-US" sz="4400" dirty="0" smtClean="0">
                 <a:solidFill>
                   <a:schemeClr val="accent1"/>
                 </a:solidFill>
@@ -3441,13 +3441,6 @@
               </a:rPr>
               <a:t>Step Output</a:t>
             </a:r>
-            <a:endParaRPr lang="en-US" sz="4800" dirty="0" smtClean="0">
-              <a:solidFill>
-                <a:schemeClr val="accent1"/>
-              </a:solidFill>
-              <a:latin typeface="Source Sans Pro Light"/>
-              <a:cs typeface="Source Sans Pro Light"/>
-            </a:endParaRPr>
           </a:p>
           <a:p>
             <a:pPr algn="l">
@@ -3456,7 +3449,7 @@
               </a:spcBef>
             </a:pPr>
             <a:r>
-              <a:rPr lang="en-US" sz="2800" dirty="0" smtClean="0">
+              <a:rPr lang="en-US" sz="2400" dirty="0" smtClean="0">
                 <a:solidFill>
                   <a:schemeClr val="accent1"/>
                 </a:solidFill>
@@ -3466,7 +3459,7 @@
               <a:t>SoS variables </a:t>
             </a:r>
             <a:r>
-              <a:rPr lang="en-US" sz="2800" dirty="0" smtClean="0">
+              <a:rPr lang="en-US" sz="2400" smtClean="0">
                 <a:solidFill>
                   <a:schemeClr val="accent1"/>
                 </a:solidFill>
@@ -3474,20 +3467,30 @@
                 <a:ea typeface="Consolas" charset="0"/>
                 <a:cs typeface="Consolas" charset="0"/>
               </a:rPr>
-              <a:t>output</a:t>
-            </a:r>
-            <a:r>
-              <a:rPr lang="en-US" sz="2800" dirty="0" smtClean="0">
+              <a:t>sos_output</a:t>
+            </a:r>
+            <a:r>
+              <a:rPr lang="en-US" sz="2400" dirty="0" smtClean="0">
                 <a:solidFill>
                   <a:schemeClr val="accent1"/>
                 </a:solidFill>
                 <a:latin typeface="Source Sans Pro Light"/>
                 <a:cs typeface="Source Sans Pro Light"/>
               </a:rPr>
-              <a:t> and </a:t>
-            </a:r>
-            <a:r>
-              <a:rPr lang="en-US" sz="2800" dirty="0" smtClean="0">
+              <a:t> </a:t>
+            </a:r>
+            <a:r>
+              <a:rPr lang="en-US" sz="2400" dirty="0" smtClean="0">
+                <a:solidFill>
+                  <a:schemeClr val="accent1"/>
+                </a:solidFill>
+                <a:latin typeface="Source Sans Pro Light"/>
+                <a:cs typeface="Source Sans Pro Light"/>
+              </a:rPr>
+              <a:t>and </a:t>
+            </a:r>
+            <a:r>
+              <a:rPr lang="en-US" sz="2400" dirty="0" smtClean="0">
                 <a:solidFill>
                   <a:schemeClr val="accent1"/>
                 </a:solidFill>
@@ -3497,14 +3500,6 @@
               </a:rPr>
               <a:t>_output</a:t>
             </a:r>
-            <a:endParaRPr lang="en-US" sz="2800" dirty="0" smtClean="0">
-              <a:solidFill>
-                <a:schemeClr val="accent1"/>
-              </a:solidFill>
-              <a:latin typeface="Consolas" charset="0"/>
-              <a:ea typeface="Consolas" charset="0"/>
-              <a:cs typeface="Consolas" charset="0"/>
-            </a:endParaRPr>
           </a:p>
         </p:txBody>
       </p:sp>
